--- a/소공_기말발표.pptx
+++ b/소공_기말발표.pptx
@@ -303,7 +303,7 @@
       </p15:sldGuideLst>
     </p:ext>
     <p:ext uri="http://customooxmlschemas.google.com/">
-      <go:slidesCustomData xmlns="" xmlns:mc="http://schemas.openxmlformats.org/markup-compatibility/2006" xmlns:mv="urn:schemas-microsoft-com:mac:vml" xmlns:c="http://schemas.openxmlformats.org/drawingml/2006/chart" xmlns:dgm="http://schemas.openxmlformats.org/drawingml/2006/diagram" xmlns:o="urn:schemas-microsoft-com:office:office" xmlns:v="urn:schemas-microsoft-com:vml" xmlns:pvml="urn:schemas-microsoft-com:office:powerpoint" xmlns:com="http://schemas.openxmlformats.org/drawingml/2006/compatibility" xmlns:p14="http://schemas.microsoft.com/office/powerpoint/2010/main" xmlns:p15="http://schemas.microsoft.com/office/powerpoint/2012/main" xmlns:ahyp="http://schemas.microsoft.com/office/drawing/2018/hyperlinkcolor" xmlns:go="http://customooxmlschemas.google.com/" r:id="rId28" roundtripDataSignature="AMtx7mgIvRzCcepgbQAvBf8R6GZGJR/1Lg=="/>
+      <go:slidesCustomData xmlns:go="http://customooxmlschemas.google.com/" xmlns:ahyp="http://schemas.microsoft.com/office/drawing/2018/hyperlinkcolor" xmlns:p15="http://schemas.microsoft.com/office/powerpoint/2012/main" xmlns:p14="http://schemas.microsoft.com/office/powerpoint/2010/main" xmlns:com="http://schemas.openxmlformats.org/drawingml/2006/compatibility" xmlns:pvml="urn:schemas-microsoft-com:office:powerpoint" xmlns:v="urn:schemas-microsoft-com:vml" xmlns:o="urn:schemas-microsoft-com:office:office" xmlns:dgm="http://schemas.openxmlformats.org/drawingml/2006/diagram" xmlns:c="http://schemas.openxmlformats.org/drawingml/2006/chart" xmlns:mv="urn:schemas-microsoft-com:mac:vml" xmlns:mc="http://schemas.openxmlformats.org/markup-compatibility/2006" xmlns="" r:id="rId28" roundtripDataSignature="AMtx7mgIvRzCcepgbQAvBf8R6GZGJR/1Lg=="/>
     </p:ext>
   </p:extLst>
 </p:presentation>
@@ -14777,9 +14777,18 @@
                 <a:cs typeface="Malgun Gothic"/>
                 <a:sym typeface="Malgun Gothic"/>
               </a:rPr>
-              <a:t>#201710927 박성준</a:t>
+              <a:t>#</a:t>
             </a:r>
-            <a:endParaRPr sz="1700" strike="sngStrike" dirty="0">
+            <a:r>
+              <a:rPr lang="ko-KR" sz="1700" dirty="0">
+                <a:latin typeface="Malgun Gothic"/>
+                <a:ea typeface="Malgun Gothic"/>
+                <a:cs typeface="Malgun Gothic"/>
+                <a:sym typeface="Malgun Gothic"/>
+              </a:rPr>
+              <a:t>201710927 박성준</a:t>
+            </a:r>
+            <a:endParaRPr sz="1700" dirty="0">
               <a:latin typeface="Malgun Gothic"/>
               <a:ea typeface="Malgun Gothic"/>
               <a:cs typeface="Malgun Gothic"/>

--- a/소공_기말발표.pptx
+++ b/소공_기말발표.pptx
@@ -303,7 +303,7 @@
       </p15:sldGuideLst>
     </p:ext>
     <p:ext uri="http://customooxmlschemas.google.com/">
-      <go:slidesCustomData xmlns:go="http://customooxmlschemas.google.com/" xmlns:ahyp="http://schemas.microsoft.com/office/drawing/2018/hyperlinkcolor" xmlns:p15="http://schemas.microsoft.com/office/powerpoint/2012/main" xmlns:p14="http://schemas.microsoft.com/office/powerpoint/2010/main" xmlns:com="http://schemas.openxmlformats.org/drawingml/2006/compatibility" xmlns:pvml="urn:schemas-microsoft-com:office:powerpoint" xmlns:v="urn:schemas-microsoft-com:vml" xmlns:o="urn:schemas-microsoft-com:office:office" xmlns:dgm="http://schemas.openxmlformats.org/drawingml/2006/diagram" xmlns:c="http://schemas.openxmlformats.org/drawingml/2006/chart" xmlns:mv="urn:schemas-microsoft-com:mac:vml" xmlns:mc="http://schemas.openxmlformats.org/markup-compatibility/2006" xmlns="" r:id="rId28" roundtripDataSignature="AMtx7mgIvRzCcepgbQAvBf8R6GZGJR/1Lg=="/>
+      <go:slidesCustomData xmlns="" xmlns:mc="http://schemas.openxmlformats.org/markup-compatibility/2006" xmlns:mv="urn:schemas-microsoft-com:mac:vml" xmlns:c="http://schemas.openxmlformats.org/drawingml/2006/chart" xmlns:dgm="http://schemas.openxmlformats.org/drawingml/2006/diagram" xmlns:o="urn:schemas-microsoft-com:office:office" xmlns:v="urn:schemas-microsoft-com:vml" xmlns:pvml="urn:schemas-microsoft-com:office:powerpoint" xmlns:com="http://schemas.openxmlformats.org/drawingml/2006/compatibility" xmlns:p14="http://schemas.microsoft.com/office/powerpoint/2010/main" xmlns:p15="http://schemas.microsoft.com/office/powerpoint/2012/main" xmlns:ahyp="http://schemas.microsoft.com/office/drawing/2018/hyperlinkcolor" xmlns:go="http://customooxmlschemas.google.com/" r:id="rId28" roundtripDataSignature="AMtx7mgIvRzCcepgbQAvBf8R6GZGJR/1Lg=="/>
     </p:ext>
   </p:extLst>
 </p:presentation>

--- a/소공_기말발표.pptx
+++ b/소공_기말발표.pptx
@@ -306,7 +306,7 @@
       </p15:sldGuideLst>
     </p:ext>
     <p:ext uri="http://customooxmlschemas.google.com/">
-      <go:slidesCustomData xmlns:go="http://customooxmlschemas.google.com/" xmlns:ahyp="http://schemas.microsoft.com/office/drawing/2018/hyperlinkcolor" xmlns:p15="http://schemas.microsoft.com/office/powerpoint/2012/main" xmlns:p14="http://schemas.microsoft.com/office/powerpoint/2010/main" xmlns:com="http://schemas.openxmlformats.org/drawingml/2006/compatibility" xmlns:pvml="urn:schemas-microsoft-com:office:powerpoint" xmlns:v="urn:schemas-microsoft-com:vml" xmlns:o="urn:schemas-microsoft-com:office:office" xmlns:dgm="http://schemas.openxmlformats.org/drawingml/2006/diagram" xmlns:c="http://schemas.openxmlformats.org/drawingml/2006/chart" xmlns:mv="urn:schemas-microsoft-com:mac:vml" xmlns:mc="http://schemas.openxmlformats.org/markup-compatibility/2006" xmlns="" r:id="rId28" roundtripDataSignature="AMtx7mgIvRzCcepgbQAvBf8R6GZGJR/1Lg=="/>
+      <go:slidesCustomData xmlns="" xmlns:mc="http://schemas.openxmlformats.org/markup-compatibility/2006" xmlns:mv="urn:schemas-microsoft-com:mac:vml" xmlns:c="http://schemas.openxmlformats.org/drawingml/2006/chart" xmlns:dgm="http://schemas.openxmlformats.org/drawingml/2006/diagram" xmlns:o="urn:schemas-microsoft-com:office:office" xmlns:v="urn:schemas-microsoft-com:vml" xmlns:pvml="urn:schemas-microsoft-com:office:powerpoint" xmlns:com="http://schemas.openxmlformats.org/drawingml/2006/compatibility" xmlns:p14="http://schemas.microsoft.com/office/powerpoint/2010/main" xmlns:p15="http://schemas.microsoft.com/office/powerpoint/2012/main" xmlns:ahyp="http://schemas.microsoft.com/office/drawing/2018/hyperlinkcolor" xmlns:go="http://customooxmlschemas.google.com/" r:id="rId28" roundtripDataSignature="AMtx7mgIvRzCcepgbQAvBf8R6GZGJR/1Lg=="/>
     </p:ext>
   </p:extLst>
 </p:presentation>
@@ -23475,7 +23475,7 @@
               <a:buNone/>
             </a:pPr>
             <a:r>
-              <a:rPr lang="ko-KR" sz="2000" b="0" i="0" u="none" strike="noStrike" cap="none">
+              <a:rPr lang="ko-KR" sz="2000" b="0" i="0" u="none" strike="noStrike" cap="none" dirty="0" err="1">
                 <a:solidFill>
                   <a:schemeClr val="dk1"/>
                 </a:solidFill>
@@ -23484,9 +23484,21 @@
                 <a:cs typeface="Malgun Gothic"/>
                 <a:sym typeface="Malgun Gothic"/>
               </a:rPr>
-              <a:t>Ⅰ. 어플리케이션 소개</a:t>
+              <a:t>Ⅰ</a:t>
             </a:r>
-            <a:endParaRPr sz="1400" b="0" i="0" u="none" strike="noStrike" cap="none">
+            <a:r>
+              <a:rPr lang="ko-KR" sz="2000" b="0" i="0" u="none" strike="noStrike" cap="none" dirty="0">
+                <a:solidFill>
+                  <a:schemeClr val="dk1"/>
+                </a:solidFill>
+                <a:latin typeface="Malgun Gothic"/>
+                <a:ea typeface="Malgun Gothic"/>
+                <a:cs typeface="Malgun Gothic"/>
+                <a:sym typeface="Malgun Gothic"/>
+              </a:rPr>
+              <a:t>. 어플리케이션 소개</a:t>
+            </a:r>
+            <a:endParaRPr sz="1400" b="0" i="0" u="none" strike="noStrike" cap="none" dirty="0">
               <a:solidFill>
                 <a:srgbClr val="000000"/>
               </a:solidFill>
@@ -23514,7 +23526,7 @@
               <a:buFont typeface="Arial"/>
               <a:buNone/>
             </a:pPr>
-            <a:endParaRPr sz="2000" b="0" i="0" u="none" strike="noStrike" cap="none">
+            <a:endParaRPr sz="2000" b="0" i="0" u="none" strike="noStrike" cap="none" dirty="0">
               <a:solidFill>
                 <a:schemeClr val="dk1"/>
               </a:solidFill>
@@ -23543,7 +23555,7 @@
               <a:buNone/>
             </a:pPr>
             <a:r>
-              <a:rPr lang="ko-KR" sz="2000" b="0" i="0" u="none" strike="noStrike" cap="none">
+              <a:rPr lang="ko-KR" sz="2000" b="0" i="0" u="none" strike="noStrike" cap="none" dirty="0" err="1">
                 <a:solidFill>
                   <a:schemeClr val="dk1"/>
                 </a:solidFill>
@@ -23552,9 +23564,33 @@
                 <a:cs typeface="Malgun Gothic"/>
                 <a:sym typeface="Malgun Gothic"/>
               </a:rPr>
-              <a:t>Ⅱ. 역할 분담설계 (클래스+시퀀스)</a:t>
+              <a:t>Ⅱ</a:t>
             </a:r>
-            <a:endParaRPr sz="1400" b="0" i="0" u="none" strike="noStrike" cap="none">
+            <a:r>
+              <a:rPr lang="ko-KR" sz="2000" b="0" i="0" u="none" strike="noStrike" cap="none" dirty="0">
+                <a:solidFill>
+                  <a:schemeClr val="dk1"/>
+                </a:solidFill>
+                <a:latin typeface="Malgun Gothic"/>
+                <a:ea typeface="Malgun Gothic"/>
+                <a:cs typeface="Malgun Gothic"/>
+                <a:sym typeface="Malgun Gothic"/>
+              </a:rPr>
+              <a:t>. 역할 </a:t>
+            </a:r>
+            <a:r>
+              <a:rPr lang="ko-KR" sz="2000" b="0" i="0" u="none" strike="noStrike" cap="none" smtClean="0">
+                <a:solidFill>
+                  <a:schemeClr val="dk1"/>
+                </a:solidFill>
+                <a:latin typeface="Malgun Gothic"/>
+                <a:ea typeface="Malgun Gothic"/>
+                <a:cs typeface="Malgun Gothic"/>
+                <a:sym typeface="Malgun Gothic"/>
+              </a:rPr>
+              <a:t>분담설계</a:t>
+            </a:r>
+            <a:endParaRPr sz="1400" b="0" i="0" u="none" strike="noStrike" cap="none" dirty="0" smtClean="0">
               <a:solidFill>
                 <a:srgbClr val="000000"/>
               </a:solidFill>
@@ -23583,7 +23619,7 @@
               <a:buNone/>
             </a:pPr>
             <a:r>
-              <a:rPr lang="ko-KR" sz="2000" b="0" i="0" u="none" strike="noStrike" cap="none">
+              <a:rPr lang="ko-KR" sz="2000" b="0" i="0" u="none" strike="noStrike" cap="none" dirty="0" smtClean="0">
                 <a:solidFill>
                   <a:schemeClr val="dk1"/>
                 </a:solidFill>
@@ -23594,7 +23630,7 @@
               </a:rPr>
               <a:t> </a:t>
             </a:r>
-            <a:endParaRPr sz="1400" b="0" i="0" u="none" strike="noStrike" cap="none">
+            <a:endParaRPr sz="1400" b="0" i="0" u="none" strike="noStrike" cap="none" dirty="0" smtClean="0">
               <a:solidFill>
                 <a:srgbClr val="000000"/>
               </a:solidFill>
@@ -23623,7 +23659,7 @@
               <a:buNone/>
             </a:pPr>
             <a:r>
-              <a:rPr lang="ko-KR" sz="2000" b="0" i="0" u="none" strike="noStrike" cap="none">
+              <a:rPr lang="ko-KR" sz="2000" b="0" i="0" u="none" strike="noStrike" cap="none" dirty="0" err="1" smtClean="0">
                 <a:solidFill>
                   <a:schemeClr val="dk1"/>
                 </a:solidFill>
@@ -23632,9 +23668,21 @@
                 <a:cs typeface="Malgun Gothic"/>
                 <a:sym typeface="Malgun Gothic"/>
               </a:rPr>
-              <a:t>Ⅲ. 설계 (클래스 +시퀀스 다이어그램)</a:t>
+              <a:t>Ⅲ</a:t>
             </a:r>
-            <a:endParaRPr/>
+            <a:r>
+              <a:rPr lang="ko-KR" sz="2000" b="0" i="0" u="none" strike="noStrike" cap="none" dirty="0">
+                <a:solidFill>
+                  <a:schemeClr val="dk1"/>
+                </a:solidFill>
+                <a:latin typeface="Malgun Gothic"/>
+                <a:ea typeface="Malgun Gothic"/>
+                <a:cs typeface="Malgun Gothic"/>
+                <a:sym typeface="Malgun Gothic"/>
+              </a:rPr>
+              <a:t>. 설계 (클래스 +시퀀스 다이어그램)</a:t>
+            </a:r>
+            <a:endParaRPr dirty="0"/>
           </a:p>
           <a:p>
             <a:pPr marL="0" marR="0" lvl="0" indent="0" algn="l" rtl="0">
@@ -23654,7 +23702,7 @@
               <a:buFont typeface="Arial"/>
               <a:buNone/>
             </a:pPr>
-            <a:endParaRPr sz="2000" b="0" i="0" u="none" strike="noStrike" cap="none">
+            <a:endParaRPr sz="2000" b="0" i="0" u="none" strike="noStrike" cap="none" dirty="0">
               <a:solidFill>
                 <a:schemeClr val="dk1"/>
               </a:solidFill>
@@ -23683,7 +23731,7 @@
               <a:buNone/>
             </a:pPr>
             <a:r>
-              <a:rPr lang="ko-KR" sz="2000" b="0" i="0" u="none" strike="noStrike" cap="none">
+              <a:rPr lang="ko-KR" sz="2000" b="0" i="0" u="none" strike="noStrike" cap="none" dirty="0" err="1">
                 <a:solidFill>
                   <a:schemeClr val="dk1"/>
                 </a:solidFill>
@@ -23692,9 +23740,21 @@
                 <a:cs typeface="Malgun Gothic"/>
                 <a:sym typeface="Malgun Gothic"/>
               </a:rPr>
-              <a:t>Ⅳ. 구현</a:t>
+              <a:t>Ⅳ</a:t>
             </a:r>
-            <a:endParaRPr sz="1400" b="0" i="0" u="none" strike="noStrike" cap="none">
+            <a:r>
+              <a:rPr lang="ko-KR" sz="2000" b="0" i="0" u="none" strike="noStrike" cap="none" dirty="0">
+                <a:solidFill>
+                  <a:schemeClr val="dk1"/>
+                </a:solidFill>
+                <a:latin typeface="Malgun Gothic"/>
+                <a:ea typeface="Malgun Gothic"/>
+                <a:cs typeface="Malgun Gothic"/>
+                <a:sym typeface="Malgun Gothic"/>
+              </a:rPr>
+              <a:t>. 구현</a:t>
+            </a:r>
+            <a:endParaRPr sz="1400" b="0" i="0" u="none" strike="noStrike" cap="none" dirty="0">
               <a:solidFill>
                 <a:srgbClr val="000000"/>
               </a:solidFill>
@@ -23722,7 +23782,7 @@
               <a:buFont typeface="Arial"/>
               <a:buNone/>
             </a:pPr>
-            <a:endParaRPr sz="2000" b="0" i="0" u="none" strike="noStrike" cap="none">
+            <a:endParaRPr sz="2000" b="0" i="0" u="none" strike="noStrike" cap="none" dirty="0">
               <a:solidFill>
                 <a:schemeClr val="dk1"/>
               </a:solidFill>
@@ -23751,7 +23811,7 @@
               <a:buNone/>
             </a:pPr>
             <a:r>
-              <a:rPr lang="ko-KR" sz="2000" b="0" i="0" u="none" strike="noStrike" cap="none">
+              <a:rPr lang="ko-KR" sz="2000" b="0" i="0" u="none" strike="noStrike" cap="none" dirty="0" err="1">
                 <a:solidFill>
                   <a:schemeClr val="dk1"/>
                 </a:solidFill>
@@ -23760,9 +23820,21 @@
                 <a:cs typeface="Malgun Gothic"/>
                 <a:sym typeface="Malgun Gothic"/>
               </a:rPr>
-              <a:t>Ⅴ. 애로사항</a:t>
+              <a:t>Ⅴ</a:t>
             </a:r>
-            <a:endParaRPr sz="2000" b="0" i="0" u="none" strike="noStrike" cap="none">
+            <a:r>
+              <a:rPr lang="ko-KR" sz="2000" b="0" i="0" u="none" strike="noStrike" cap="none" dirty="0">
+                <a:solidFill>
+                  <a:schemeClr val="dk1"/>
+                </a:solidFill>
+                <a:latin typeface="Malgun Gothic"/>
+                <a:ea typeface="Malgun Gothic"/>
+                <a:cs typeface="Malgun Gothic"/>
+                <a:sym typeface="Malgun Gothic"/>
+              </a:rPr>
+              <a:t>. 애로사항</a:t>
+            </a:r>
+            <a:endParaRPr sz="2000" b="0" i="0" u="none" strike="noStrike" cap="none" dirty="0">
               <a:solidFill>
                 <a:schemeClr val="dk1"/>
               </a:solidFill>
